--- a/ppt 16-9/0225.普天歌唱救主.pptx
+++ b/ppt 16-9/0225.普天歌唱救主.pptx
@@ -129,7 +129,7 @@
           <p:cNvPr id="2" name="标题 1">
             <a:extLst>
               <a:ext uri="{FF2B5EF4-FFF2-40B4-BE49-F238E27FC236}">
-                <a16:creationId xmlns:a16="http://schemas.microsoft.com/office/drawing/2014/main" id="{9E133E01-77C8-D9D6-23DA-91254D785AD2}"/>
+                <a16:creationId xmlns:a16="http://schemas.microsoft.com/office/drawing/2014/main" id="{2AA70582-6A47-6B9F-AF54-E4C8EDB549F9}"/>
               </a:ext>
             </a:extLst>
           </p:cNvPr>
@@ -166,7 +166,7 @@
           <p:cNvPr id="3" name="副标题 2">
             <a:extLst>
               <a:ext uri="{FF2B5EF4-FFF2-40B4-BE49-F238E27FC236}">
-                <a16:creationId xmlns:a16="http://schemas.microsoft.com/office/drawing/2014/main" id="{4B38ACF5-9312-1B00-AF8E-B6DAF9D24605}"/>
+                <a16:creationId xmlns:a16="http://schemas.microsoft.com/office/drawing/2014/main" id="{4B3144A9-42B2-568D-DCFB-AE1090C1BD9B}"/>
               </a:ext>
             </a:extLst>
           </p:cNvPr>
@@ -236,7 +236,7 @@
           <p:cNvPr id="4" name="日期占位符 3">
             <a:extLst>
               <a:ext uri="{FF2B5EF4-FFF2-40B4-BE49-F238E27FC236}">
-                <a16:creationId xmlns:a16="http://schemas.microsoft.com/office/drawing/2014/main" id="{97C8E8F5-A462-7BA5-88EF-AA7483E608EF}"/>
+                <a16:creationId xmlns:a16="http://schemas.microsoft.com/office/drawing/2014/main" id="{F591E857-ACC6-BEBE-93EF-5108A5E55FFE}"/>
               </a:ext>
             </a:extLst>
           </p:cNvPr>
@@ -252,7 +252,7 @@
           <a:bodyPr/>
           <a:lstStyle/>
           <a:p>
-            <a:fld id="{43CED2FA-4C04-4324-ABE5-5083380477DC}" type="datetimeFigureOut">
+            <a:fld id="{41916ED7-CF8D-4113-AB2C-B4297EA1125A}" type="datetimeFigureOut">
               <a:rPr lang="zh-CN" altLang="en-US" smtClean="0"/>
               <a:t>2024/3/10</a:t>
             </a:fld>
@@ -265,7 +265,7 @@
           <p:cNvPr id="5" name="页脚占位符 4">
             <a:extLst>
               <a:ext uri="{FF2B5EF4-FFF2-40B4-BE49-F238E27FC236}">
-                <a16:creationId xmlns:a16="http://schemas.microsoft.com/office/drawing/2014/main" id="{164A0552-97AA-48DC-FB32-70DE47B10196}"/>
+                <a16:creationId xmlns:a16="http://schemas.microsoft.com/office/drawing/2014/main" id="{B6DECFAE-5E2D-2B71-0361-61DCB0CCD270}"/>
               </a:ext>
             </a:extLst>
           </p:cNvPr>
@@ -290,7 +290,7 @@
           <p:cNvPr id="6" name="灯片编号占位符 5">
             <a:extLst>
               <a:ext uri="{FF2B5EF4-FFF2-40B4-BE49-F238E27FC236}">
-                <a16:creationId xmlns:a16="http://schemas.microsoft.com/office/drawing/2014/main" id="{A9F38D09-17F5-6E02-1646-88F039910E4B}"/>
+                <a16:creationId xmlns:a16="http://schemas.microsoft.com/office/drawing/2014/main" id="{E33A84FC-B0E9-47C2-8EC5-4AFD6598D686}"/>
               </a:ext>
             </a:extLst>
           </p:cNvPr>
@@ -306,7 +306,7 @@
           <a:bodyPr/>
           <a:lstStyle/>
           <a:p>
-            <a:fld id="{A8DBBF9C-169B-4644-94D7-81D61B88E91F}" type="slidenum">
+            <a:fld id="{688523BD-1A39-4DDE-BA4F-A34594EB91A4}" type="slidenum">
               <a:rPr lang="zh-CN" altLang="en-US" smtClean="0"/>
               <a:t>‹#›</a:t>
             </a:fld>
@@ -317,7 +317,7 @@
     </p:spTree>
     <p:extLst>
       <p:ext uri="{BB962C8B-B14F-4D97-AF65-F5344CB8AC3E}">
-        <p14:creationId xmlns:p14="http://schemas.microsoft.com/office/powerpoint/2010/main" val="983394027"/>
+        <p14:creationId xmlns:p14="http://schemas.microsoft.com/office/powerpoint/2010/main" val="2001549195"/>
       </p:ext>
     </p:extLst>
   </p:cSld>
@@ -349,7 +349,7 @@
           <p:cNvPr id="2" name="标题 1">
             <a:extLst>
               <a:ext uri="{FF2B5EF4-FFF2-40B4-BE49-F238E27FC236}">
-                <a16:creationId xmlns:a16="http://schemas.microsoft.com/office/drawing/2014/main" id="{27CE667F-2362-1E1D-966F-3F93CB6487D9}"/>
+                <a16:creationId xmlns:a16="http://schemas.microsoft.com/office/drawing/2014/main" id="{62D15DB5-1B81-5885-6F59-B38BA0FE4EC4}"/>
               </a:ext>
             </a:extLst>
           </p:cNvPr>
@@ -377,7 +377,7 @@
           <p:cNvPr id="3" name="竖排文字占位符 2">
             <a:extLst>
               <a:ext uri="{FF2B5EF4-FFF2-40B4-BE49-F238E27FC236}">
-                <a16:creationId xmlns:a16="http://schemas.microsoft.com/office/drawing/2014/main" id="{6ECAB66D-C305-1F0A-D12C-36E3A6D3C48A}"/>
+                <a16:creationId xmlns:a16="http://schemas.microsoft.com/office/drawing/2014/main" id="{36D61E53-658C-F95C-E3A0-99333A5828D2}"/>
               </a:ext>
             </a:extLst>
           </p:cNvPr>
@@ -434,7 +434,7 @@
           <p:cNvPr id="4" name="日期占位符 3">
             <a:extLst>
               <a:ext uri="{FF2B5EF4-FFF2-40B4-BE49-F238E27FC236}">
-                <a16:creationId xmlns:a16="http://schemas.microsoft.com/office/drawing/2014/main" id="{85ABED8A-BF98-0B99-3762-31E33BB69A10}"/>
+                <a16:creationId xmlns:a16="http://schemas.microsoft.com/office/drawing/2014/main" id="{8802E0CA-26F0-2ADD-E214-243DC882C7D9}"/>
               </a:ext>
             </a:extLst>
           </p:cNvPr>
@@ -450,7 +450,7 @@
           <a:bodyPr/>
           <a:lstStyle/>
           <a:p>
-            <a:fld id="{43CED2FA-4C04-4324-ABE5-5083380477DC}" type="datetimeFigureOut">
+            <a:fld id="{41916ED7-CF8D-4113-AB2C-B4297EA1125A}" type="datetimeFigureOut">
               <a:rPr lang="zh-CN" altLang="en-US" smtClean="0"/>
               <a:t>2024/3/10</a:t>
             </a:fld>
@@ -463,7 +463,7 @@
           <p:cNvPr id="5" name="页脚占位符 4">
             <a:extLst>
               <a:ext uri="{FF2B5EF4-FFF2-40B4-BE49-F238E27FC236}">
-                <a16:creationId xmlns:a16="http://schemas.microsoft.com/office/drawing/2014/main" id="{7E716DDD-83C6-2A88-2A60-BA8F3FBFDCB1}"/>
+                <a16:creationId xmlns:a16="http://schemas.microsoft.com/office/drawing/2014/main" id="{2AE41D4E-46B1-23A1-FBF2-D1B4B5E3B2AF}"/>
               </a:ext>
             </a:extLst>
           </p:cNvPr>
@@ -488,7 +488,7 @@
           <p:cNvPr id="6" name="灯片编号占位符 5">
             <a:extLst>
               <a:ext uri="{FF2B5EF4-FFF2-40B4-BE49-F238E27FC236}">
-                <a16:creationId xmlns:a16="http://schemas.microsoft.com/office/drawing/2014/main" id="{CCD115D5-C8C6-1D11-7504-1291A83B40A5}"/>
+                <a16:creationId xmlns:a16="http://schemas.microsoft.com/office/drawing/2014/main" id="{C87596E8-D8BB-8116-4ACD-2722717A4801}"/>
               </a:ext>
             </a:extLst>
           </p:cNvPr>
@@ -504,7 +504,7 @@
           <a:bodyPr/>
           <a:lstStyle/>
           <a:p>
-            <a:fld id="{A8DBBF9C-169B-4644-94D7-81D61B88E91F}" type="slidenum">
+            <a:fld id="{688523BD-1A39-4DDE-BA4F-A34594EB91A4}" type="slidenum">
               <a:rPr lang="zh-CN" altLang="en-US" smtClean="0"/>
               <a:t>‹#›</a:t>
             </a:fld>
@@ -515,7 +515,7 @@
     </p:spTree>
     <p:extLst>
       <p:ext uri="{BB962C8B-B14F-4D97-AF65-F5344CB8AC3E}">
-        <p14:creationId xmlns:p14="http://schemas.microsoft.com/office/powerpoint/2010/main" val="1864732495"/>
+        <p14:creationId xmlns:p14="http://schemas.microsoft.com/office/powerpoint/2010/main" val="974191229"/>
       </p:ext>
     </p:extLst>
   </p:cSld>
@@ -547,7 +547,7 @@
           <p:cNvPr id="2" name="竖排标题 1">
             <a:extLst>
               <a:ext uri="{FF2B5EF4-FFF2-40B4-BE49-F238E27FC236}">
-                <a16:creationId xmlns:a16="http://schemas.microsoft.com/office/drawing/2014/main" id="{A344ECAA-0452-3E10-47A0-308EDDC0F89B}"/>
+                <a16:creationId xmlns:a16="http://schemas.microsoft.com/office/drawing/2014/main" id="{A87E1720-47F6-3C22-CF1B-D2F92793EF87}"/>
               </a:ext>
             </a:extLst>
           </p:cNvPr>
@@ -580,7 +580,7 @@
           <p:cNvPr id="3" name="竖排文字占位符 2">
             <a:extLst>
               <a:ext uri="{FF2B5EF4-FFF2-40B4-BE49-F238E27FC236}">
-                <a16:creationId xmlns:a16="http://schemas.microsoft.com/office/drawing/2014/main" id="{C3AB134B-3528-04C1-BCCF-F203040FF4D6}"/>
+                <a16:creationId xmlns:a16="http://schemas.microsoft.com/office/drawing/2014/main" id="{A6A8E963-CDAA-80D0-2363-2A1B78FCF1E7}"/>
               </a:ext>
             </a:extLst>
           </p:cNvPr>
@@ -642,7 +642,7 @@
           <p:cNvPr id="4" name="日期占位符 3">
             <a:extLst>
               <a:ext uri="{FF2B5EF4-FFF2-40B4-BE49-F238E27FC236}">
-                <a16:creationId xmlns:a16="http://schemas.microsoft.com/office/drawing/2014/main" id="{1B5A75B7-5C37-80A0-E974-E08580A0B0ED}"/>
+                <a16:creationId xmlns:a16="http://schemas.microsoft.com/office/drawing/2014/main" id="{C3644D3B-ACCC-AE13-A2F3-73AAED6ECC7E}"/>
               </a:ext>
             </a:extLst>
           </p:cNvPr>
@@ -658,7 +658,7 @@
           <a:bodyPr/>
           <a:lstStyle/>
           <a:p>
-            <a:fld id="{43CED2FA-4C04-4324-ABE5-5083380477DC}" type="datetimeFigureOut">
+            <a:fld id="{41916ED7-CF8D-4113-AB2C-B4297EA1125A}" type="datetimeFigureOut">
               <a:rPr lang="zh-CN" altLang="en-US" smtClean="0"/>
               <a:t>2024/3/10</a:t>
             </a:fld>
@@ -671,7 +671,7 @@
           <p:cNvPr id="5" name="页脚占位符 4">
             <a:extLst>
               <a:ext uri="{FF2B5EF4-FFF2-40B4-BE49-F238E27FC236}">
-                <a16:creationId xmlns:a16="http://schemas.microsoft.com/office/drawing/2014/main" id="{386A279C-64F3-8809-C3F4-60F1A5B3F284}"/>
+                <a16:creationId xmlns:a16="http://schemas.microsoft.com/office/drawing/2014/main" id="{CD718064-DCBB-EBED-E0CF-4182B28A6D7B}"/>
               </a:ext>
             </a:extLst>
           </p:cNvPr>
@@ -696,7 +696,7 @@
           <p:cNvPr id="6" name="灯片编号占位符 5">
             <a:extLst>
               <a:ext uri="{FF2B5EF4-FFF2-40B4-BE49-F238E27FC236}">
-                <a16:creationId xmlns:a16="http://schemas.microsoft.com/office/drawing/2014/main" id="{F524056E-7349-16C1-0F7C-5B66412FC86C}"/>
+                <a16:creationId xmlns:a16="http://schemas.microsoft.com/office/drawing/2014/main" id="{0C77618E-7994-53E5-B9B0-BD46E9860A04}"/>
               </a:ext>
             </a:extLst>
           </p:cNvPr>
@@ -712,7 +712,7 @@
           <a:bodyPr/>
           <a:lstStyle/>
           <a:p>
-            <a:fld id="{A8DBBF9C-169B-4644-94D7-81D61B88E91F}" type="slidenum">
+            <a:fld id="{688523BD-1A39-4DDE-BA4F-A34594EB91A4}" type="slidenum">
               <a:rPr lang="zh-CN" altLang="en-US" smtClean="0"/>
               <a:t>‹#›</a:t>
             </a:fld>
@@ -723,7 +723,7 @@
     </p:spTree>
     <p:extLst>
       <p:ext uri="{BB962C8B-B14F-4D97-AF65-F5344CB8AC3E}">
-        <p14:creationId xmlns:p14="http://schemas.microsoft.com/office/powerpoint/2010/main" val="924702347"/>
+        <p14:creationId xmlns:p14="http://schemas.microsoft.com/office/powerpoint/2010/main" val="122766302"/>
       </p:ext>
     </p:extLst>
   </p:cSld>
@@ -755,7 +755,7 @@
           <p:cNvPr id="2" name="标题 1">
             <a:extLst>
               <a:ext uri="{FF2B5EF4-FFF2-40B4-BE49-F238E27FC236}">
-                <a16:creationId xmlns:a16="http://schemas.microsoft.com/office/drawing/2014/main" id="{3AE38201-8B18-7534-1900-9FDFDE912571}"/>
+                <a16:creationId xmlns:a16="http://schemas.microsoft.com/office/drawing/2014/main" id="{312C7368-BA9F-F08A-FBC7-907D18BADA0E}"/>
               </a:ext>
             </a:extLst>
           </p:cNvPr>
@@ -783,7 +783,7 @@
           <p:cNvPr id="3" name="内容占位符 2">
             <a:extLst>
               <a:ext uri="{FF2B5EF4-FFF2-40B4-BE49-F238E27FC236}">
-                <a16:creationId xmlns:a16="http://schemas.microsoft.com/office/drawing/2014/main" id="{E441D48A-F318-7706-7F38-937C3A4DAAC0}"/>
+                <a16:creationId xmlns:a16="http://schemas.microsoft.com/office/drawing/2014/main" id="{C735EBED-DB70-9E20-474F-6C95661A71C8}"/>
               </a:ext>
             </a:extLst>
           </p:cNvPr>
@@ -840,7 +840,7 @@
           <p:cNvPr id="4" name="日期占位符 3">
             <a:extLst>
               <a:ext uri="{FF2B5EF4-FFF2-40B4-BE49-F238E27FC236}">
-                <a16:creationId xmlns:a16="http://schemas.microsoft.com/office/drawing/2014/main" id="{2AEE2FC3-7739-AD54-198B-7A88FD86D692}"/>
+                <a16:creationId xmlns:a16="http://schemas.microsoft.com/office/drawing/2014/main" id="{12EED230-0146-E4B8-3FFA-E6D5602463C3}"/>
               </a:ext>
             </a:extLst>
           </p:cNvPr>
@@ -856,7 +856,7 @@
           <a:bodyPr/>
           <a:lstStyle/>
           <a:p>
-            <a:fld id="{43CED2FA-4C04-4324-ABE5-5083380477DC}" type="datetimeFigureOut">
+            <a:fld id="{41916ED7-CF8D-4113-AB2C-B4297EA1125A}" type="datetimeFigureOut">
               <a:rPr lang="zh-CN" altLang="en-US" smtClean="0"/>
               <a:t>2024/3/10</a:t>
             </a:fld>
@@ -869,7 +869,7 @@
           <p:cNvPr id="5" name="页脚占位符 4">
             <a:extLst>
               <a:ext uri="{FF2B5EF4-FFF2-40B4-BE49-F238E27FC236}">
-                <a16:creationId xmlns:a16="http://schemas.microsoft.com/office/drawing/2014/main" id="{72244CF6-1A60-D9F5-3A1E-048BA240EBFC}"/>
+                <a16:creationId xmlns:a16="http://schemas.microsoft.com/office/drawing/2014/main" id="{25AF1849-A37F-B357-AA3A-D958637D5598}"/>
               </a:ext>
             </a:extLst>
           </p:cNvPr>
@@ -894,7 +894,7 @@
           <p:cNvPr id="6" name="灯片编号占位符 5">
             <a:extLst>
               <a:ext uri="{FF2B5EF4-FFF2-40B4-BE49-F238E27FC236}">
-                <a16:creationId xmlns:a16="http://schemas.microsoft.com/office/drawing/2014/main" id="{D3C2421F-FF35-6CC6-0EDA-B82202EBD173}"/>
+                <a16:creationId xmlns:a16="http://schemas.microsoft.com/office/drawing/2014/main" id="{C817B3F8-1E18-6DAC-8F31-4C453688F7D4}"/>
               </a:ext>
             </a:extLst>
           </p:cNvPr>
@@ -910,7 +910,7 @@
           <a:bodyPr/>
           <a:lstStyle/>
           <a:p>
-            <a:fld id="{A8DBBF9C-169B-4644-94D7-81D61B88E91F}" type="slidenum">
+            <a:fld id="{688523BD-1A39-4DDE-BA4F-A34594EB91A4}" type="slidenum">
               <a:rPr lang="zh-CN" altLang="en-US" smtClean="0"/>
               <a:t>‹#›</a:t>
             </a:fld>
@@ -921,7 +921,7 @@
     </p:spTree>
     <p:extLst>
       <p:ext uri="{BB962C8B-B14F-4D97-AF65-F5344CB8AC3E}">
-        <p14:creationId xmlns:p14="http://schemas.microsoft.com/office/powerpoint/2010/main" val="556769928"/>
+        <p14:creationId xmlns:p14="http://schemas.microsoft.com/office/powerpoint/2010/main" val="2951136383"/>
       </p:ext>
     </p:extLst>
   </p:cSld>
@@ -953,7 +953,7 @@
           <p:cNvPr id="2" name="标题 1">
             <a:extLst>
               <a:ext uri="{FF2B5EF4-FFF2-40B4-BE49-F238E27FC236}">
-                <a16:creationId xmlns:a16="http://schemas.microsoft.com/office/drawing/2014/main" id="{1D474603-585D-C46C-E6A5-3DC1C8C66443}"/>
+                <a16:creationId xmlns:a16="http://schemas.microsoft.com/office/drawing/2014/main" id="{1A05076B-970B-B6DE-DF44-8E71CB29C08B}"/>
               </a:ext>
             </a:extLst>
           </p:cNvPr>
@@ -990,7 +990,7 @@
           <p:cNvPr id="3" name="文本占位符 2">
             <a:extLst>
               <a:ext uri="{FF2B5EF4-FFF2-40B4-BE49-F238E27FC236}">
-                <a16:creationId xmlns:a16="http://schemas.microsoft.com/office/drawing/2014/main" id="{1D3A488E-E1F4-45B7-EDB3-98330EEE342D}"/>
+                <a16:creationId xmlns:a16="http://schemas.microsoft.com/office/drawing/2014/main" id="{BE55F0E9-88C5-4C18-2504-05228ACCD9BA}"/>
               </a:ext>
             </a:extLst>
           </p:cNvPr>
@@ -1115,7 +1115,7 @@
           <p:cNvPr id="4" name="日期占位符 3">
             <a:extLst>
               <a:ext uri="{FF2B5EF4-FFF2-40B4-BE49-F238E27FC236}">
-                <a16:creationId xmlns:a16="http://schemas.microsoft.com/office/drawing/2014/main" id="{DEAE10B8-27FF-EC29-48A9-ABE16A149A76}"/>
+                <a16:creationId xmlns:a16="http://schemas.microsoft.com/office/drawing/2014/main" id="{F2FA37B1-BFB9-00B7-4A5C-69A5DADB8E2B}"/>
               </a:ext>
             </a:extLst>
           </p:cNvPr>
@@ -1131,7 +1131,7 @@
           <a:bodyPr/>
           <a:lstStyle/>
           <a:p>
-            <a:fld id="{43CED2FA-4C04-4324-ABE5-5083380477DC}" type="datetimeFigureOut">
+            <a:fld id="{41916ED7-CF8D-4113-AB2C-B4297EA1125A}" type="datetimeFigureOut">
               <a:rPr lang="zh-CN" altLang="en-US" smtClean="0"/>
               <a:t>2024/3/10</a:t>
             </a:fld>
@@ -1144,7 +1144,7 @@
           <p:cNvPr id="5" name="页脚占位符 4">
             <a:extLst>
               <a:ext uri="{FF2B5EF4-FFF2-40B4-BE49-F238E27FC236}">
-                <a16:creationId xmlns:a16="http://schemas.microsoft.com/office/drawing/2014/main" id="{A36FB942-7084-133E-B4A7-89E419486EE0}"/>
+                <a16:creationId xmlns:a16="http://schemas.microsoft.com/office/drawing/2014/main" id="{53B5AF6A-8326-59AE-E196-814028A03321}"/>
               </a:ext>
             </a:extLst>
           </p:cNvPr>
@@ -1169,7 +1169,7 @@
           <p:cNvPr id="6" name="灯片编号占位符 5">
             <a:extLst>
               <a:ext uri="{FF2B5EF4-FFF2-40B4-BE49-F238E27FC236}">
-                <a16:creationId xmlns:a16="http://schemas.microsoft.com/office/drawing/2014/main" id="{8CF156D9-30EB-29DA-6160-7AEDB3CE6E3F}"/>
+                <a16:creationId xmlns:a16="http://schemas.microsoft.com/office/drawing/2014/main" id="{5065F285-5701-8E88-5E5A-46500238CFE8}"/>
               </a:ext>
             </a:extLst>
           </p:cNvPr>
@@ -1185,7 +1185,7 @@
           <a:bodyPr/>
           <a:lstStyle/>
           <a:p>
-            <a:fld id="{A8DBBF9C-169B-4644-94D7-81D61B88E91F}" type="slidenum">
+            <a:fld id="{688523BD-1A39-4DDE-BA4F-A34594EB91A4}" type="slidenum">
               <a:rPr lang="zh-CN" altLang="en-US" smtClean="0"/>
               <a:t>‹#›</a:t>
             </a:fld>
@@ -1196,7 +1196,7 @@
     </p:spTree>
     <p:extLst>
       <p:ext uri="{BB962C8B-B14F-4D97-AF65-F5344CB8AC3E}">
-        <p14:creationId xmlns:p14="http://schemas.microsoft.com/office/powerpoint/2010/main" val="470445231"/>
+        <p14:creationId xmlns:p14="http://schemas.microsoft.com/office/powerpoint/2010/main" val="2554729256"/>
       </p:ext>
     </p:extLst>
   </p:cSld>
@@ -1228,7 +1228,7 @@
           <p:cNvPr id="2" name="标题 1">
             <a:extLst>
               <a:ext uri="{FF2B5EF4-FFF2-40B4-BE49-F238E27FC236}">
-                <a16:creationId xmlns:a16="http://schemas.microsoft.com/office/drawing/2014/main" id="{402D0129-D343-5A8F-25A3-DDF0AC917AE9}"/>
+                <a16:creationId xmlns:a16="http://schemas.microsoft.com/office/drawing/2014/main" id="{8127AF48-C55F-A328-743B-29A4715B915E}"/>
               </a:ext>
             </a:extLst>
           </p:cNvPr>
@@ -1256,7 +1256,7 @@
           <p:cNvPr id="3" name="内容占位符 2">
             <a:extLst>
               <a:ext uri="{FF2B5EF4-FFF2-40B4-BE49-F238E27FC236}">
-                <a16:creationId xmlns:a16="http://schemas.microsoft.com/office/drawing/2014/main" id="{15BC47D6-5C6D-F152-ABDD-AAA924086A78}"/>
+                <a16:creationId xmlns:a16="http://schemas.microsoft.com/office/drawing/2014/main" id="{6ADBBC75-B0C4-8394-D4D8-EA31E51098CD}"/>
               </a:ext>
             </a:extLst>
           </p:cNvPr>
@@ -1318,7 +1318,7 @@
           <p:cNvPr id="4" name="内容占位符 3">
             <a:extLst>
               <a:ext uri="{FF2B5EF4-FFF2-40B4-BE49-F238E27FC236}">
-                <a16:creationId xmlns:a16="http://schemas.microsoft.com/office/drawing/2014/main" id="{289CB3C7-C49B-40EF-3D1A-8F76327E7DD9}"/>
+                <a16:creationId xmlns:a16="http://schemas.microsoft.com/office/drawing/2014/main" id="{43110CCD-8A23-F1F9-8674-3EC8DC544AA7}"/>
               </a:ext>
             </a:extLst>
           </p:cNvPr>
@@ -1380,7 +1380,7 @@
           <p:cNvPr id="5" name="日期占位符 4">
             <a:extLst>
               <a:ext uri="{FF2B5EF4-FFF2-40B4-BE49-F238E27FC236}">
-                <a16:creationId xmlns:a16="http://schemas.microsoft.com/office/drawing/2014/main" id="{7BC52D89-28BA-EC21-C577-81F8612B5AF1}"/>
+                <a16:creationId xmlns:a16="http://schemas.microsoft.com/office/drawing/2014/main" id="{C9EEC476-D15F-EFE6-FA43-F31EC6E22510}"/>
               </a:ext>
             </a:extLst>
           </p:cNvPr>
@@ -1396,7 +1396,7 @@
           <a:bodyPr/>
           <a:lstStyle/>
           <a:p>
-            <a:fld id="{43CED2FA-4C04-4324-ABE5-5083380477DC}" type="datetimeFigureOut">
+            <a:fld id="{41916ED7-CF8D-4113-AB2C-B4297EA1125A}" type="datetimeFigureOut">
               <a:rPr lang="zh-CN" altLang="en-US" smtClean="0"/>
               <a:t>2024/3/10</a:t>
             </a:fld>
@@ -1409,7 +1409,7 @@
           <p:cNvPr id="6" name="页脚占位符 5">
             <a:extLst>
               <a:ext uri="{FF2B5EF4-FFF2-40B4-BE49-F238E27FC236}">
-                <a16:creationId xmlns:a16="http://schemas.microsoft.com/office/drawing/2014/main" id="{210A937B-917D-34A3-C3A4-48A5E46D9DFC}"/>
+                <a16:creationId xmlns:a16="http://schemas.microsoft.com/office/drawing/2014/main" id="{85BFCA0D-79FB-B66C-8E72-4BBF1ECBD96B}"/>
               </a:ext>
             </a:extLst>
           </p:cNvPr>
@@ -1434,7 +1434,7 @@
           <p:cNvPr id="7" name="灯片编号占位符 6">
             <a:extLst>
               <a:ext uri="{FF2B5EF4-FFF2-40B4-BE49-F238E27FC236}">
-                <a16:creationId xmlns:a16="http://schemas.microsoft.com/office/drawing/2014/main" id="{46ADC65A-8C42-98F7-BACC-474CC7FE295C}"/>
+                <a16:creationId xmlns:a16="http://schemas.microsoft.com/office/drawing/2014/main" id="{3228DAD2-025A-44D2-B5EC-EDE10111EAB9}"/>
               </a:ext>
             </a:extLst>
           </p:cNvPr>
@@ -1450,7 +1450,7 @@
           <a:bodyPr/>
           <a:lstStyle/>
           <a:p>
-            <a:fld id="{A8DBBF9C-169B-4644-94D7-81D61B88E91F}" type="slidenum">
+            <a:fld id="{688523BD-1A39-4DDE-BA4F-A34594EB91A4}" type="slidenum">
               <a:rPr lang="zh-CN" altLang="en-US" smtClean="0"/>
               <a:t>‹#›</a:t>
             </a:fld>
@@ -1461,7 +1461,7 @@
     </p:spTree>
     <p:extLst>
       <p:ext uri="{BB962C8B-B14F-4D97-AF65-F5344CB8AC3E}">
-        <p14:creationId xmlns:p14="http://schemas.microsoft.com/office/powerpoint/2010/main" val="2879189600"/>
+        <p14:creationId xmlns:p14="http://schemas.microsoft.com/office/powerpoint/2010/main" val="2773311247"/>
       </p:ext>
     </p:extLst>
   </p:cSld>
@@ -1493,7 +1493,7 @@
           <p:cNvPr id="2" name="标题 1">
             <a:extLst>
               <a:ext uri="{FF2B5EF4-FFF2-40B4-BE49-F238E27FC236}">
-                <a16:creationId xmlns:a16="http://schemas.microsoft.com/office/drawing/2014/main" id="{A5C4ABF9-668E-F537-9881-55E94BA01A38}"/>
+                <a16:creationId xmlns:a16="http://schemas.microsoft.com/office/drawing/2014/main" id="{133BF76D-60D3-E446-0D1A-0D72641BE691}"/>
               </a:ext>
             </a:extLst>
           </p:cNvPr>
@@ -1526,7 +1526,7 @@
           <p:cNvPr id="3" name="文本占位符 2">
             <a:extLst>
               <a:ext uri="{FF2B5EF4-FFF2-40B4-BE49-F238E27FC236}">
-                <a16:creationId xmlns:a16="http://schemas.microsoft.com/office/drawing/2014/main" id="{CA6077D7-C619-D7EA-D676-55308ADE4274}"/>
+                <a16:creationId xmlns:a16="http://schemas.microsoft.com/office/drawing/2014/main" id="{51348B31-1B52-DE14-9BA9-AA754DB24D9C}"/>
               </a:ext>
             </a:extLst>
           </p:cNvPr>
@@ -1597,7 +1597,7 @@
           <p:cNvPr id="4" name="内容占位符 3">
             <a:extLst>
               <a:ext uri="{FF2B5EF4-FFF2-40B4-BE49-F238E27FC236}">
-                <a16:creationId xmlns:a16="http://schemas.microsoft.com/office/drawing/2014/main" id="{E82FEF21-BD70-8E1F-C15F-35FD4969E52B}"/>
+                <a16:creationId xmlns:a16="http://schemas.microsoft.com/office/drawing/2014/main" id="{FA81BE1B-4869-E2AC-E037-9C5798E114A6}"/>
               </a:ext>
             </a:extLst>
           </p:cNvPr>
@@ -1659,7 +1659,7 @@
           <p:cNvPr id="5" name="文本占位符 4">
             <a:extLst>
               <a:ext uri="{FF2B5EF4-FFF2-40B4-BE49-F238E27FC236}">
-                <a16:creationId xmlns:a16="http://schemas.microsoft.com/office/drawing/2014/main" id="{1CC11F4E-40E7-8584-A69A-7A6090D55E2E}"/>
+                <a16:creationId xmlns:a16="http://schemas.microsoft.com/office/drawing/2014/main" id="{5C2C21B2-C1F5-D650-E8C6-D9D3F6A7E1BD}"/>
               </a:ext>
             </a:extLst>
           </p:cNvPr>
@@ -1730,7 +1730,7 @@
           <p:cNvPr id="6" name="内容占位符 5">
             <a:extLst>
               <a:ext uri="{FF2B5EF4-FFF2-40B4-BE49-F238E27FC236}">
-                <a16:creationId xmlns:a16="http://schemas.microsoft.com/office/drawing/2014/main" id="{A6CB68A6-5B67-81F4-8433-AA66ACA8661B}"/>
+                <a16:creationId xmlns:a16="http://schemas.microsoft.com/office/drawing/2014/main" id="{97B510B0-793B-49C9-2C2D-C6574F1C6087}"/>
               </a:ext>
             </a:extLst>
           </p:cNvPr>
@@ -1792,7 +1792,7 @@
           <p:cNvPr id="7" name="日期占位符 6">
             <a:extLst>
               <a:ext uri="{FF2B5EF4-FFF2-40B4-BE49-F238E27FC236}">
-                <a16:creationId xmlns:a16="http://schemas.microsoft.com/office/drawing/2014/main" id="{C29BD2DE-1456-277B-10E4-8B98251E4D99}"/>
+                <a16:creationId xmlns:a16="http://schemas.microsoft.com/office/drawing/2014/main" id="{0FA714C4-289E-5755-5348-C99C937906D3}"/>
               </a:ext>
             </a:extLst>
           </p:cNvPr>
@@ -1808,7 +1808,7 @@
           <a:bodyPr/>
           <a:lstStyle/>
           <a:p>
-            <a:fld id="{43CED2FA-4C04-4324-ABE5-5083380477DC}" type="datetimeFigureOut">
+            <a:fld id="{41916ED7-CF8D-4113-AB2C-B4297EA1125A}" type="datetimeFigureOut">
               <a:rPr lang="zh-CN" altLang="en-US" smtClean="0"/>
               <a:t>2024/3/10</a:t>
             </a:fld>
@@ -1821,7 +1821,7 @@
           <p:cNvPr id="8" name="页脚占位符 7">
             <a:extLst>
               <a:ext uri="{FF2B5EF4-FFF2-40B4-BE49-F238E27FC236}">
-                <a16:creationId xmlns:a16="http://schemas.microsoft.com/office/drawing/2014/main" id="{201EE971-DE6B-FAB7-670E-2B163A0EC79A}"/>
+                <a16:creationId xmlns:a16="http://schemas.microsoft.com/office/drawing/2014/main" id="{CDC43264-0DDA-133E-96AE-7F90326E6A5D}"/>
               </a:ext>
             </a:extLst>
           </p:cNvPr>
@@ -1846,7 +1846,7 @@
           <p:cNvPr id="9" name="灯片编号占位符 8">
             <a:extLst>
               <a:ext uri="{FF2B5EF4-FFF2-40B4-BE49-F238E27FC236}">
-                <a16:creationId xmlns:a16="http://schemas.microsoft.com/office/drawing/2014/main" id="{ACE3A931-E8A7-FD21-210A-0D7F736F4BE5}"/>
+                <a16:creationId xmlns:a16="http://schemas.microsoft.com/office/drawing/2014/main" id="{B4009CA4-B8B6-D869-C865-2F73A86B5576}"/>
               </a:ext>
             </a:extLst>
           </p:cNvPr>
@@ -1862,7 +1862,7 @@
           <a:bodyPr/>
           <a:lstStyle/>
           <a:p>
-            <a:fld id="{A8DBBF9C-169B-4644-94D7-81D61B88E91F}" type="slidenum">
+            <a:fld id="{688523BD-1A39-4DDE-BA4F-A34594EB91A4}" type="slidenum">
               <a:rPr lang="zh-CN" altLang="en-US" smtClean="0"/>
               <a:t>‹#›</a:t>
             </a:fld>
@@ -1873,7 +1873,7 @@
     </p:spTree>
     <p:extLst>
       <p:ext uri="{BB962C8B-B14F-4D97-AF65-F5344CB8AC3E}">
-        <p14:creationId xmlns:p14="http://schemas.microsoft.com/office/powerpoint/2010/main" val="1070217212"/>
+        <p14:creationId xmlns:p14="http://schemas.microsoft.com/office/powerpoint/2010/main" val="1208971510"/>
       </p:ext>
     </p:extLst>
   </p:cSld>
@@ -1905,7 +1905,7 @@
           <p:cNvPr id="2" name="标题 1">
             <a:extLst>
               <a:ext uri="{FF2B5EF4-FFF2-40B4-BE49-F238E27FC236}">
-                <a16:creationId xmlns:a16="http://schemas.microsoft.com/office/drawing/2014/main" id="{557959BB-904C-9F9A-3A41-A8E015FEBF82}"/>
+                <a16:creationId xmlns:a16="http://schemas.microsoft.com/office/drawing/2014/main" id="{E992F4D6-7773-19E7-750C-36ECBE72A9EA}"/>
               </a:ext>
             </a:extLst>
           </p:cNvPr>
@@ -1933,7 +1933,7 @@
           <p:cNvPr id="3" name="日期占位符 2">
             <a:extLst>
               <a:ext uri="{FF2B5EF4-FFF2-40B4-BE49-F238E27FC236}">
-                <a16:creationId xmlns:a16="http://schemas.microsoft.com/office/drawing/2014/main" id="{0235ECC0-7AD5-541E-CCBE-D37BBC6B1830}"/>
+                <a16:creationId xmlns:a16="http://schemas.microsoft.com/office/drawing/2014/main" id="{9A280546-FC02-09A3-025B-4669500CA475}"/>
               </a:ext>
             </a:extLst>
           </p:cNvPr>
@@ -1949,7 +1949,7 @@
           <a:bodyPr/>
           <a:lstStyle/>
           <a:p>
-            <a:fld id="{43CED2FA-4C04-4324-ABE5-5083380477DC}" type="datetimeFigureOut">
+            <a:fld id="{41916ED7-CF8D-4113-AB2C-B4297EA1125A}" type="datetimeFigureOut">
               <a:rPr lang="zh-CN" altLang="en-US" smtClean="0"/>
               <a:t>2024/3/10</a:t>
             </a:fld>
@@ -1962,7 +1962,7 @@
           <p:cNvPr id="4" name="页脚占位符 3">
             <a:extLst>
               <a:ext uri="{FF2B5EF4-FFF2-40B4-BE49-F238E27FC236}">
-                <a16:creationId xmlns:a16="http://schemas.microsoft.com/office/drawing/2014/main" id="{27F954DC-EB59-508F-8498-6CF1F413B5DC}"/>
+                <a16:creationId xmlns:a16="http://schemas.microsoft.com/office/drawing/2014/main" id="{87E6E5F4-E437-80DF-C4C0-1E758FFFC7D2}"/>
               </a:ext>
             </a:extLst>
           </p:cNvPr>
@@ -1987,7 +1987,7 @@
           <p:cNvPr id="5" name="灯片编号占位符 4">
             <a:extLst>
               <a:ext uri="{FF2B5EF4-FFF2-40B4-BE49-F238E27FC236}">
-                <a16:creationId xmlns:a16="http://schemas.microsoft.com/office/drawing/2014/main" id="{54139D3B-6D4E-5F1E-508B-DA473DAA0B24}"/>
+                <a16:creationId xmlns:a16="http://schemas.microsoft.com/office/drawing/2014/main" id="{05546A9A-FCCB-C703-F510-01E494D2A3D2}"/>
               </a:ext>
             </a:extLst>
           </p:cNvPr>
@@ -2003,7 +2003,7 @@
           <a:bodyPr/>
           <a:lstStyle/>
           <a:p>
-            <a:fld id="{A8DBBF9C-169B-4644-94D7-81D61B88E91F}" type="slidenum">
+            <a:fld id="{688523BD-1A39-4DDE-BA4F-A34594EB91A4}" type="slidenum">
               <a:rPr lang="zh-CN" altLang="en-US" smtClean="0"/>
               <a:t>‹#›</a:t>
             </a:fld>
@@ -2014,7 +2014,7 @@
     </p:spTree>
     <p:extLst>
       <p:ext uri="{BB962C8B-B14F-4D97-AF65-F5344CB8AC3E}">
-        <p14:creationId xmlns:p14="http://schemas.microsoft.com/office/powerpoint/2010/main" val="955791861"/>
+        <p14:creationId xmlns:p14="http://schemas.microsoft.com/office/powerpoint/2010/main" val="2606532913"/>
       </p:ext>
     </p:extLst>
   </p:cSld>
@@ -2046,7 +2046,7 @@
           <p:cNvPr id="2" name="日期占位符 1">
             <a:extLst>
               <a:ext uri="{FF2B5EF4-FFF2-40B4-BE49-F238E27FC236}">
-                <a16:creationId xmlns:a16="http://schemas.microsoft.com/office/drawing/2014/main" id="{99DCFE0B-908C-336F-3784-CBC8ADE71E02}"/>
+                <a16:creationId xmlns:a16="http://schemas.microsoft.com/office/drawing/2014/main" id="{DB43702E-42AB-8352-1F7E-5BE9CD874653}"/>
               </a:ext>
             </a:extLst>
           </p:cNvPr>
@@ -2062,7 +2062,7 @@
           <a:bodyPr/>
           <a:lstStyle/>
           <a:p>
-            <a:fld id="{43CED2FA-4C04-4324-ABE5-5083380477DC}" type="datetimeFigureOut">
+            <a:fld id="{41916ED7-CF8D-4113-AB2C-B4297EA1125A}" type="datetimeFigureOut">
               <a:rPr lang="zh-CN" altLang="en-US" smtClean="0"/>
               <a:t>2024/3/10</a:t>
             </a:fld>
@@ -2075,7 +2075,7 @@
           <p:cNvPr id="3" name="页脚占位符 2">
             <a:extLst>
               <a:ext uri="{FF2B5EF4-FFF2-40B4-BE49-F238E27FC236}">
-                <a16:creationId xmlns:a16="http://schemas.microsoft.com/office/drawing/2014/main" id="{6A9AF4AB-01FE-C79F-E4B3-766E204016E4}"/>
+                <a16:creationId xmlns:a16="http://schemas.microsoft.com/office/drawing/2014/main" id="{6C05E11A-2A62-067B-9E9D-2EE9449B17A7}"/>
               </a:ext>
             </a:extLst>
           </p:cNvPr>
@@ -2100,7 +2100,7 @@
           <p:cNvPr id="4" name="灯片编号占位符 3">
             <a:extLst>
               <a:ext uri="{FF2B5EF4-FFF2-40B4-BE49-F238E27FC236}">
-                <a16:creationId xmlns:a16="http://schemas.microsoft.com/office/drawing/2014/main" id="{95253AF2-F59F-403F-4C0B-DC69D87CF50F}"/>
+                <a16:creationId xmlns:a16="http://schemas.microsoft.com/office/drawing/2014/main" id="{9A4F5017-A220-CD9A-5809-4C818F324CE3}"/>
               </a:ext>
             </a:extLst>
           </p:cNvPr>
@@ -2116,7 +2116,7 @@
           <a:bodyPr/>
           <a:lstStyle/>
           <a:p>
-            <a:fld id="{A8DBBF9C-169B-4644-94D7-81D61B88E91F}" type="slidenum">
+            <a:fld id="{688523BD-1A39-4DDE-BA4F-A34594EB91A4}" type="slidenum">
               <a:rPr lang="zh-CN" altLang="en-US" smtClean="0"/>
               <a:t>‹#›</a:t>
             </a:fld>
@@ -2127,7 +2127,7 @@
     </p:spTree>
     <p:extLst>
       <p:ext uri="{BB962C8B-B14F-4D97-AF65-F5344CB8AC3E}">
-        <p14:creationId xmlns:p14="http://schemas.microsoft.com/office/powerpoint/2010/main" val="1453246104"/>
+        <p14:creationId xmlns:p14="http://schemas.microsoft.com/office/powerpoint/2010/main" val="1613808660"/>
       </p:ext>
     </p:extLst>
   </p:cSld>
@@ -2159,7 +2159,7 @@
           <p:cNvPr id="2" name="标题 1">
             <a:extLst>
               <a:ext uri="{FF2B5EF4-FFF2-40B4-BE49-F238E27FC236}">
-                <a16:creationId xmlns:a16="http://schemas.microsoft.com/office/drawing/2014/main" id="{21E2EB2C-AF5C-44CB-B037-81EB136E1258}"/>
+                <a16:creationId xmlns:a16="http://schemas.microsoft.com/office/drawing/2014/main" id="{DD98F37E-D6CC-23FC-386A-0A11FE1C4C22}"/>
               </a:ext>
             </a:extLst>
           </p:cNvPr>
@@ -2196,7 +2196,7 @@
           <p:cNvPr id="3" name="内容占位符 2">
             <a:extLst>
               <a:ext uri="{FF2B5EF4-FFF2-40B4-BE49-F238E27FC236}">
-                <a16:creationId xmlns:a16="http://schemas.microsoft.com/office/drawing/2014/main" id="{B9AE9339-AF20-6F17-EF7A-253B75879441}"/>
+                <a16:creationId xmlns:a16="http://schemas.microsoft.com/office/drawing/2014/main" id="{27CC0D72-1C3F-ECF4-EE1F-C1F527A83873}"/>
               </a:ext>
             </a:extLst>
           </p:cNvPr>
@@ -2286,7 +2286,7 @@
           <p:cNvPr id="4" name="文本占位符 3">
             <a:extLst>
               <a:ext uri="{FF2B5EF4-FFF2-40B4-BE49-F238E27FC236}">
-                <a16:creationId xmlns:a16="http://schemas.microsoft.com/office/drawing/2014/main" id="{8E27D11B-F3B3-F26E-6031-403E7608FFA6}"/>
+                <a16:creationId xmlns:a16="http://schemas.microsoft.com/office/drawing/2014/main" id="{F92609C9-56FB-99F4-ED3E-8717EEB1F120}"/>
               </a:ext>
             </a:extLst>
           </p:cNvPr>
@@ -2357,7 +2357,7 @@
           <p:cNvPr id="5" name="日期占位符 4">
             <a:extLst>
               <a:ext uri="{FF2B5EF4-FFF2-40B4-BE49-F238E27FC236}">
-                <a16:creationId xmlns:a16="http://schemas.microsoft.com/office/drawing/2014/main" id="{474A30B4-54D1-7582-90F6-A49E5E41664C}"/>
+                <a16:creationId xmlns:a16="http://schemas.microsoft.com/office/drawing/2014/main" id="{0D11EF8F-E777-E690-BDAE-7B29978116D2}"/>
               </a:ext>
             </a:extLst>
           </p:cNvPr>
@@ -2373,7 +2373,7 @@
           <a:bodyPr/>
           <a:lstStyle/>
           <a:p>
-            <a:fld id="{43CED2FA-4C04-4324-ABE5-5083380477DC}" type="datetimeFigureOut">
+            <a:fld id="{41916ED7-CF8D-4113-AB2C-B4297EA1125A}" type="datetimeFigureOut">
               <a:rPr lang="zh-CN" altLang="en-US" smtClean="0"/>
               <a:t>2024/3/10</a:t>
             </a:fld>
@@ -2386,7 +2386,7 @@
           <p:cNvPr id="6" name="页脚占位符 5">
             <a:extLst>
               <a:ext uri="{FF2B5EF4-FFF2-40B4-BE49-F238E27FC236}">
-                <a16:creationId xmlns:a16="http://schemas.microsoft.com/office/drawing/2014/main" id="{D579533A-B0CB-149F-9617-8C999B520A81}"/>
+                <a16:creationId xmlns:a16="http://schemas.microsoft.com/office/drawing/2014/main" id="{711E8271-6162-4A01-DF5E-7608EC7EB8E8}"/>
               </a:ext>
             </a:extLst>
           </p:cNvPr>
@@ -2411,7 +2411,7 @@
           <p:cNvPr id="7" name="灯片编号占位符 6">
             <a:extLst>
               <a:ext uri="{FF2B5EF4-FFF2-40B4-BE49-F238E27FC236}">
-                <a16:creationId xmlns:a16="http://schemas.microsoft.com/office/drawing/2014/main" id="{4A33543A-224C-14CF-3232-717A9D235EA6}"/>
+                <a16:creationId xmlns:a16="http://schemas.microsoft.com/office/drawing/2014/main" id="{27460868-0CC9-BF97-C88E-2845B30E8C98}"/>
               </a:ext>
             </a:extLst>
           </p:cNvPr>
@@ -2427,7 +2427,7 @@
           <a:bodyPr/>
           <a:lstStyle/>
           <a:p>
-            <a:fld id="{A8DBBF9C-169B-4644-94D7-81D61B88E91F}" type="slidenum">
+            <a:fld id="{688523BD-1A39-4DDE-BA4F-A34594EB91A4}" type="slidenum">
               <a:rPr lang="zh-CN" altLang="en-US" smtClean="0"/>
               <a:t>‹#›</a:t>
             </a:fld>
@@ -2438,7 +2438,7 @@
     </p:spTree>
     <p:extLst>
       <p:ext uri="{BB962C8B-B14F-4D97-AF65-F5344CB8AC3E}">
-        <p14:creationId xmlns:p14="http://schemas.microsoft.com/office/powerpoint/2010/main" val="1265952111"/>
+        <p14:creationId xmlns:p14="http://schemas.microsoft.com/office/powerpoint/2010/main" val="3653289958"/>
       </p:ext>
     </p:extLst>
   </p:cSld>
@@ -2470,7 +2470,7 @@
           <p:cNvPr id="2" name="标题 1">
             <a:extLst>
               <a:ext uri="{FF2B5EF4-FFF2-40B4-BE49-F238E27FC236}">
-                <a16:creationId xmlns:a16="http://schemas.microsoft.com/office/drawing/2014/main" id="{A1693510-C048-4549-8DF2-75DC861FDC84}"/>
+                <a16:creationId xmlns:a16="http://schemas.microsoft.com/office/drawing/2014/main" id="{D16D5638-41E7-5836-9BE3-20E7ABB117C4}"/>
               </a:ext>
             </a:extLst>
           </p:cNvPr>
@@ -2507,7 +2507,7 @@
           <p:cNvPr id="3" name="图片占位符 2">
             <a:extLst>
               <a:ext uri="{FF2B5EF4-FFF2-40B4-BE49-F238E27FC236}">
-                <a16:creationId xmlns:a16="http://schemas.microsoft.com/office/drawing/2014/main" id="{479EE021-C7AA-2677-259B-C01E7AC3CC31}"/>
+                <a16:creationId xmlns:a16="http://schemas.microsoft.com/office/drawing/2014/main" id="{4C482165-3F6A-7BF4-0261-3D93921C60AB}"/>
               </a:ext>
             </a:extLst>
           </p:cNvPr>
@@ -2574,7 +2574,7 @@
           <p:cNvPr id="4" name="文本占位符 3">
             <a:extLst>
               <a:ext uri="{FF2B5EF4-FFF2-40B4-BE49-F238E27FC236}">
-                <a16:creationId xmlns:a16="http://schemas.microsoft.com/office/drawing/2014/main" id="{0994F333-37B0-B762-D156-203D21FC3F7C}"/>
+                <a16:creationId xmlns:a16="http://schemas.microsoft.com/office/drawing/2014/main" id="{96113578-3796-CE7E-0C99-6B3FACB3AFA9}"/>
               </a:ext>
             </a:extLst>
           </p:cNvPr>
@@ -2645,7 +2645,7 @@
           <p:cNvPr id="5" name="日期占位符 4">
             <a:extLst>
               <a:ext uri="{FF2B5EF4-FFF2-40B4-BE49-F238E27FC236}">
-                <a16:creationId xmlns:a16="http://schemas.microsoft.com/office/drawing/2014/main" id="{014EC8FD-54D9-E2D3-5F94-5AF2B2769569}"/>
+                <a16:creationId xmlns:a16="http://schemas.microsoft.com/office/drawing/2014/main" id="{3EC063EE-D88E-94AB-D5FB-9E158E44350D}"/>
               </a:ext>
             </a:extLst>
           </p:cNvPr>
@@ -2661,7 +2661,7 @@
           <a:bodyPr/>
           <a:lstStyle/>
           <a:p>
-            <a:fld id="{43CED2FA-4C04-4324-ABE5-5083380477DC}" type="datetimeFigureOut">
+            <a:fld id="{41916ED7-CF8D-4113-AB2C-B4297EA1125A}" type="datetimeFigureOut">
               <a:rPr lang="zh-CN" altLang="en-US" smtClean="0"/>
               <a:t>2024/3/10</a:t>
             </a:fld>
@@ -2674,7 +2674,7 @@
           <p:cNvPr id="6" name="页脚占位符 5">
             <a:extLst>
               <a:ext uri="{FF2B5EF4-FFF2-40B4-BE49-F238E27FC236}">
-                <a16:creationId xmlns:a16="http://schemas.microsoft.com/office/drawing/2014/main" id="{EE2F8CCA-FC06-E05E-35F3-8D2E516C94BD}"/>
+                <a16:creationId xmlns:a16="http://schemas.microsoft.com/office/drawing/2014/main" id="{82EC2822-C27B-EE84-6D01-06A0AAE18B7B}"/>
               </a:ext>
             </a:extLst>
           </p:cNvPr>
@@ -2699,7 +2699,7 @@
           <p:cNvPr id="7" name="灯片编号占位符 6">
             <a:extLst>
               <a:ext uri="{FF2B5EF4-FFF2-40B4-BE49-F238E27FC236}">
-                <a16:creationId xmlns:a16="http://schemas.microsoft.com/office/drawing/2014/main" id="{D0F10725-AC27-9CD2-FB3A-9967965917B1}"/>
+                <a16:creationId xmlns:a16="http://schemas.microsoft.com/office/drawing/2014/main" id="{0FFC0DC2-32C3-06A2-2564-B2E2328FDA00}"/>
               </a:ext>
             </a:extLst>
           </p:cNvPr>
@@ -2715,7 +2715,7 @@
           <a:bodyPr/>
           <a:lstStyle/>
           <a:p>
-            <a:fld id="{A8DBBF9C-169B-4644-94D7-81D61B88E91F}" type="slidenum">
+            <a:fld id="{688523BD-1A39-4DDE-BA4F-A34594EB91A4}" type="slidenum">
               <a:rPr lang="zh-CN" altLang="en-US" smtClean="0"/>
               <a:t>‹#›</a:t>
             </a:fld>
@@ -2726,7 +2726,7 @@
     </p:spTree>
     <p:extLst>
       <p:ext uri="{BB962C8B-B14F-4D97-AF65-F5344CB8AC3E}">
-        <p14:creationId xmlns:p14="http://schemas.microsoft.com/office/powerpoint/2010/main" val="2645031028"/>
+        <p14:creationId xmlns:p14="http://schemas.microsoft.com/office/powerpoint/2010/main" val="575423278"/>
       </p:ext>
     </p:extLst>
   </p:cSld>
@@ -2763,7 +2763,7 @@
           <p:cNvPr id="2" name="标题占位符 1">
             <a:extLst>
               <a:ext uri="{FF2B5EF4-FFF2-40B4-BE49-F238E27FC236}">
-                <a16:creationId xmlns:a16="http://schemas.microsoft.com/office/drawing/2014/main" id="{58D5B218-3EE4-E5A6-CB15-49F8CF276E3D}"/>
+                <a16:creationId xmlns:a16="http://schemas.microsoft.com/office/drawing/2014/main" id="{175E9A50-8887-0E27-DBB4-D068B0B5EBD2}"/>
               </a:ext>
             </a:extLst>
           </p:cNvPr>
@@ -2801,7 +2801,7 @@
           <p:cNvPr id="3" name="文本占位符 2">
             <a:extLst>
               <a:ext uri="{FF2B5EF4-FFF2-40B4-BE49-F238E27FC236}">
-                <a16:creationId xmlns:a16="http://schemas.microsoft.com/office/drawing/2014/main" id="{E01415EF-B864-8AFE-FB49-EC67E3EB0646}"/>
+                <a16:creationId xmlns:a16="http://schemas.microsoft.com/office/drawing/2014/main" id="{E6DA0129-F507-848C-A620-7B607641111A}"/>
               </a:ext>
             </a:extLst>
           </p:cNvPr>
@@ -2868,7 +2868,7 @@
           <p:cNvPr id="4" name="日期占位符 3">
             <a:extLst>
               <a:ext uri="{FF2B5EF4-FFF2-40B4-BE49-F238E27FC236}">
-                <a16:creationId xmlns:a16="http://schemas.microsoft.com/office/drawing/2014/main" id="{D18B82A0-34FF-6E6F-D853-99CB626AA427}"/>
+                <a16:creationId xmlns:a16="http://schemas.microsoft.com/office/drawing/2014/main" id="{82B954DD-B99E-536E-7E28-16E7A5639BAA}"/>
               </a:ext>
             </a:extLst>
           </p:cNvPr>
@@ -2902,7 +2902,7 @@
             </a:lvl1pPr>
           </a:lstStyle>
           <a:p>
-            <a:fld id="{43CED2FA-4C04-4324-ABE5-5083380477DC}" type="datetimeFigureOut">
+            <a:fld id="{41916ED7-CF8D-4113-AB2C-B4297EA1125A}" type="datetimeFigureOut">
               <a:rPr lang="zh-CN" altLang="en-US" smtClean="0"/>
               <a:t>2024/3/10</a:t>
             </a:fld>
@@ -2915,7 +2915,7 @@
           <p:cNvPr id="5" name="页脚占位符 4">
             <a:extLst>
               <a:ext uri="{FF2B5EF4-FFF2-40B4-BE49-F238E27FC236}">
-                <a16:creationId xmlns:a16="http://schemas.microsoft.com/office/drawing/2014/main" id="{23F14C22-63BF-A237-B03C-F81532E4F2D7}"/>
+                <a16:creationId xmlns:a16="http://schemas.microsoft.com/office/drawing/2014/main" id="{BB4E0845-F55D-ADA4-5F41-38880D74A4D8}"/>
               </a:ext>
             </a:extLst>
           </p:cNvPr>
@@ -2958,7 +2958,7 @@
           <p:cNvPr id="6" name="灯片编号占位符 5">
             <a:extLst>
               <a:ext uri="{FF2B5EF4-FFF2-40B4-BE49-F238E27FC236}">
-                <a16:creationId xmlns:a16="http://schemas.microsoft.com/office/drawing/2014/main" id="{57E656C1-8122-865B-2EDC-4E1BC9831C83}"/>
+                <a16:creationId xmlns:a16="http://schemas.microsoft.com/office/drawing/2014/main" id="{B2BD4156-FAE9-A7DB-0766-FB7DE67DD780}"/>
               </a:ext>
             </a:extLst>
           </p:cNvPr>
@@ -2992,7 +2992,7 @@
             </a:lvl1pPr>
           </a:lstStyle>
           <a:p>
-            <a:fld id="{A8DBBF9C-169B-4644-94D7-81D61B88E91F}" type="slidenum">
+            <a:fld id="{688523BD-1A39-4DDE-BA4F-A34594EB91A4}" type="slidenum">
               <a:rPr lang="zh-CN" altLang="en-US" smtClean="0"/>
               <a:t>‹#›</a:t>
             </a:fld>
@@ -3003,7 +3003,7 @@
     </p:spTree>
     <p:extLst>
       <p:ext uri="{BB962C8B-B14F-4D97-AF65-F5344CB8AC3E}">
-        <p14:creationId xmlns:p14="http://schemas.microsoft.com/office/powerpoint/2010/main" val="1564115152"/>
+        <p14:creationId xmlns:p14="http://schemas.microsoft.com/office/powerpoint/2010/main" val="1205992374"/>
       </p:ext>
     </p:extLst>
   </p:cSld>
